--- a/01-Introduction-into-Development.pptx
+++ b/01-Introduction-into-Development.pptx
@@ -12,6 +12,7 @@
     <p:sldId id="268" r:id="rId6"/>
     <p:sldId id="257" r:id="rId7"/>
     <p:sldId id="265" r:id="rId8"/>
+    <p:sldId id="269" r:id="rId9"/>
   </p:sldIdLst>
   <p:sldSz cx="9144000" cy="6858000" type="screen4x3"/>
   <p:notesSz cx="6858000" cy="9144000"/>
@@ -110,6 +111,22 @@
       </a:defRPr>
     </a:lvl9pPr>
   </p:defaultTextStyle>
+  <p:extLst>
+    <p:ext uri="{EFAFB233-063F-42B5-8137-9DF3F51BA10A}">
+      <p15:sldGuideLst xmlns:p15="http://schemas.microsoft.com/office/powerpoint/2012/main">
+        <p15:guide id="1" orient="horz" pos="2160">
+          <p15:clr>
+            <a:srgbClr val="A4A3A4"/>
+          </p15:clr>
+        </p15:guide>
+        <p15:guide id="2" pos="2880">
+          <p15:clr>
+            <a:srgbClr val="A4A3A4"/>
+          </p15:clr>
+        </p15:guide>
+      </p15:sldGuideLst>
+    </p:ext>
+  </p:extLst>
 </p:presentation>
 </file>
 
@@ -294,7 +311,7 @@
           <a:p>
             <a:fld id="{3EA744D9-3FBE-48D8-BF2A-85DF203E4D20}" type="datetimeFigureOut">
               <a:rPr lang="bg-BG" smtClean="0"/>
-              <a:t>22.4.2015 г.</a:t>
+              <a:t>6.7.2015 г.</a:t>
             </a:fld>
             <a:endParaRPr lang="bg-BG"/>
           </a:p>
@@ -464,7 +481,7 @@
           <a:p>
             <a:fld id="{3EA744D9-3FBE-48D8-BF2A-85DF203E4D20}" type="datetimeFigureOut">
               <a:rPr lang="bg-BG" smtClean="0"/>
-              <a:t>22.4.2015 г.</a:t>
+              <a:t>6.7.2015 г.</a:t>
             </a:fld>
             <a:endParaRPr lang="bg-BG"/>
           </a:p>
@@ -644,7 +661,7 @@
           <a:p>
             <a:fld id="{3EA744D9-3FBE-48D8-BF2A-85DF203E4D20}" type="datetimeFigureOut">
               <a:rPr lang="bg-BG" smtClean="0"/>
-              <a:t>22.4.2015 г.</a:t>
+              <a:t>6.7.2015 г.</a:t>
             </a:fld>
             <a:endParaRPr lang="bg-BG"/>
           </a:p>
@@ -814,7 +831,7 @@
           <a:p>
             <a:fld id="{3EA744D9-3FBE-48D8-BF2A-85DF203E4D20}" type="datetimeFigureOut">
               <a:rPr lang="bg-BG" smtClean="0"/>
-              <a:t>22.4.2015 г.</a:t>
+              <a:t>6.7.2015 г.</a:t>
             </a:fld>
             <a:endParaRPr lang="bg-BG"/>
           </a:p>
@@ -1060,7 +1077,7 @@
           <a:p>
             <a:fld id="{3EA744D9-3FBE-48D8-BF2A-85DF203E4D20}" type="datetimeFigureOut">
               <a:rPr lang="bg-BG" smtClean="0"/>
-              <a:t>22.4.2015 г.</a:t>
+              <a:t>6.7.2015 г.</a:t>
             </a:fld>
             <a:endParaRPr lang="bg-BG"/>
           </a:p>
@@ -1348,7 +1365,7 @@
           <a:p>
             <a:fld id="{3EA744D9-3FBE-48D8-BF2A-85DF203E4D20}" type="datetimeFigureOut">
               <a:rPr lang="bg-BG" smtClean="0"/>
-              <a:t>22.4.2015 г.</a:t>
+              <a:t>6.7.2015 г.</a:t>
             </a:fld>
             <a:endParaRPr lang="bg-BG"/>
           </a:p>
@@ -1770,7 +1787,7 @@
           <a:p>
             <a:fld id="{3EA744D9-3FBE-48D8-BF2A-85DF203E4D20}" type="datetimeFigureOut">
               <a:rPr lang="bg-BG" smtClean="0"/>
-              <a:t>22.4.2015 г.</a:t>
+              <a:t>6.7.2015 г.</a:t>
             </a:fld>
             <a:endParaRPr lang="bg-BG"/>
           </a:p>
@@ -1888,7 +1905,7 @@
           <a:p>
             <a:fld id="{3EA744D9-3FBE-48D8-BF2A-85DF203E4D20}" type="datetimeFigureOut">
               <a:rPr lang="bg-BG" smtClean="0"/>
-              <a:t>22.4.2015 г.</a:t>
+              <a:t>6.7.2015 г.</a:t>
             </a:fld>
             <a:endParaRPr lang="bg-BG"/>
           </a:p>
@@ -1983,7 +2000,7 @@
           <a:p>
             <a:fld id="{3EA744D9-3FBE-48D8-BF2A-85DF203E4D20}" type="datetimeFigureOut">
               <a:rPr lang="bg-BG" smtClean="0"/>
-              <a:t>22.4.2015 г.</a:t>
+              <a:t>6.7.2015 г.</a:t>
             </a:fld>
             <a:endParaRPr lang="bg-BG"/>
           </a:p>
@@ -2260,7 +2277,7 @@
           <a:p>
             <a:fld id="{3EA744D9-3FBE-48D8-BF2A-85DF203E4D20}" type="datetimeFigureOut">
               <a:rPr lang="bg-BG" smtClean="0"/>
-              <a:t>22.4.2015 г.</a:t>
+              <a:t>6.7.2015 г.</a:t>
             </a:fld>
             <a:endParaRPr lang="bg-BG"/>
           </a:p>
@@ -2513,7 +2530,7 @@
           <a:p>
             <a:fld id="{3EA744D9-3FBE-48D8-BF2A-85DF203E4D20}" type="datetimeFigureOut">
               <a:rPr lang="bg-BG" smtClean="0"/>
-              <a:t>22.4.2015 г.</a:t>
+              <a:t>6.7.2015 г.</a:t>
             </a:fld>
             <a:endParaRPr lang="bg-BG"/>
           </a:p>
@@ -2735,7 +2752,7 @@
           <a:p>
             <a:fld id="{3EA744D9-3FBE-48D8-BF2A-85DF203E4D20}" type="datetimeFigureOut">
               <a:rPr lang="bg-BG" smtClean="0"/>
-              <a:t>22.4.2015 г.</a:t>
+              <a:t>6.7.2015 г.</a:t>
             </a:fld>
             <a:endParaRPr lang="bg-BG"/>
           </a:p>
@@ -3505,31 +3522,7 @@
                   <a:schemeClr val="accent6"/>
                 </a:solidFill>
               </a:rPr>
-              <a:t>Демонстрация </a:t>
-            </a:r>
-            <a:r>
-              <a:rPr lang="bg-BG" dirty="0" smtClean="0">
-                <a:solidFill>
-                  <a:schemeClr val="accent6"/>
-                </a:solidFill>
-              </a:rPr>
-              <a:t>на</a:t>
-            </a:r>
-            <a:r>
-              <a:rPr lang="bg-BG" dirty="0" smtClean="0">
-                <a:solidFill>
-                  <a:schemeClr val="accent6"/>
-                </a:solidFill>
-              </a:rPr>
-              <a:t> </a:t>
-            </a:r>
-            <a:r>
-              <a:rPr lang="bg-BG" dirty="0" smtClean="0">
-                <a:solidFill>
-                  <a:schemeClr val="accent6"/>
-                </a:solidFill>
-              </a:rPr>
-              <a:t>алгоритъм</a:t>
+              <a:t>Демонстрация на алгоритъм</a:t>
             </a:r>
             <a:endParaRPr lang="bg-BG" dirty="0">
               <a:solidFill>
@@ -4196,6 +4189,179 @@
   <p:clrMapOvr>
     <a:masterClrMapping/>
   </p:clrMapOvr>
+</p:sld>
+</file>
+
+<file path=ppt/slides/slide8.xml><?xml version="1.0" encoding="utf-8"?>
+<p:sld xmlns:a="http://schemas.openxmlformats.org/drawingml/2006/main" xmlns:r="http://schemas.openxmlformats.org/officeDocument/2006/relationships" xmlns:p="http://schemas.openxmlformats.org/presentationml/2006/main">
+  <p:cSld>
+    <p:spTree>
+      <p:nvGrpSpPr>
+        <p:cNvPr id="1" name=""/>
+        <p:cNvGrpSpPr/>
+        <p:nvPr/>
+      </p:nvGrpSpPr>
+      <p:grpSpPr>
+        <a:xfrm>
+          <a:off x="0" y="0"/>
+          <a:ext cx="0" cy="0"/>
+          <a:chOff x="0" y="0"/>
+          <a:chExt cx="0" cy="0"/>
+        </a:xfrm>
+      </p:grpSpPr>
+      <p:sp>
+        <p:nvSpPr>
+          <p:cNvPr id="2" name="Title 1"/>
+          <p:cNvSpPr>
+            <a:spLocks noGrp="1"/>
+          </p:cNvSpPr>
+          <p:nvPr>
+            <p:ph type="title"/>
+          </p:nvPr>
+        </p:nvSpPr>
+        <p:spPr>
+          <a:xfrm>
+            <a:off x="838200" y="685800"/>
+            <a:ext cx="8229600" cy="1143000"/>
+          </a:xfrm>
+        </p:spPr>
+        <p:txBody>
+          <a:bodyPr/>
+          <a:lstStyle/>
+          <a:p>
+            <a:pPr algn="l"/>
+            <a:r>
+              <a:rPr lang="bg-BG" dirty="0" smtClean="0">
+                <a:solidFill>
+                  <a:schemeClr val="accent6"/>
+                </a:solidFill>
+              </a:rPr>
+              <a:t>Задачи за домашна работа</a:t>
+            </a:r>
+            <a:endParaRPr lang="bg-BG" dirty="0">
+              <a:solidFill>
+                <a:schemeClr val="accent6"/>
+              </a:solidFill>
+            </a:endParaRPr>
+          </a:p>
+        </p:txBody>
+      </p:sp>
+      <p:sp>
+        <p:nvSpPr>
+          <p:cNvPr id="3" name="Content Placeholder 2"/>
+          <p:cNvSpPr>
+            <a:spLocks noGrp="1"/>
+          </p:cNvSpPr>
+          <p:nvPr>
+            <p:ph idx="1"/>
+          </p:nvPr>
+        </p:nvSpPr>
+        <p:spPr>
+          <a:xfrm>
+            <a:off x="762000" y="1676400"/>
+            <a:ext cx="7620000" cy="4525963"/>
+          </a:xfrm>
+        </p:spPr>
+        <p:txBody>
+          <a:bodyPr/>
+          <a:lstStyle/>
+          <a:p>
+            <a:pPr>
+              <a:buFont typeface="Wingdings" panose="05000000000000000000" pitchFamily="2" charset="2"/>
+              <a:buChar char="§"/>
+            </a:pPr>
+            <a:r>
+              <a:rPr lang="bg-BG" dirty="0">
+                <a:solidFill>
+                  <a:schemeClr val="bg1">
+                    <a:lumMod val="95000"/>
+                  </a:schemeClr>
+                </a:solidFill>
+              </a:rPr>
+              <a:t>Инсталирайте </a:t>
+            </a:r>
+            <a:r>
+              <a:rPr lang="en-US" dirty="0">
+                <a:solidFill>
+                  <a:schemeClr val="bg1">
+                    <a:lumMod val="95000"/>
+                  </a:schemeClr>
+                </a:solidFill>
+              </a:rPr>
+              <a:t>Notepad++</a:t>
+            </a:r>
+          </a:p>
+          <a:p>
+            <a:pPr>
+              <a:buFont typeface="Wingdings" panose="05000000000000000000" pitchFamily="2" charset="2"/>
+              <a:buChar char="§"/>
+            </a:pPr>
+            <a:r>
+              <a:rPr lang="bg-BG" dirty="0">
+                <a:solidFill>
+                  <a:schemeClr val="bg1">
+                    <a:lumMod val="95000"/>
+                  </a:schemeClr>
+                </a:solidFill>
+              </a:rPr>
+              <a:t>Инсталирайте </a:t>
+            </a:r>
+            <a:r>
+              <a:rPr lang="en-US" dirty="0">
+                <a:solidFill>
+                  <a:schemeClr val="bg1">
+                    <a:lumMod val="95000"/>
+                  </a:schemeClr>
+                </a:solidFill>
+              </a:rPr>
+              <a:t>JDK</a:t>
+            </a:r>
+          </a:p>
+          <a:p>
+            <a:pPr>
+              <a:buFont typeface="Wingdings" panose="05000000000000000000" pitchFamily="2" charset="2"/>
+              <a:buChar char="§"/>
+            </a:pPr>
+            <a:r>
+              <a:rPr lang="bg-BG" dirty="0">
+                <a:solidFill>
+                  <a:schemeClr val="bg1">
+                    <a:lumMod val="95000"/>
+                  </a:schemeClr>
+                </a:solidFill>
+              </a:rPr>
+              <a:t>Инсталирайте </a:t>
+            </a:r>
+            <a:r>
+              <a:rPr lang="en-US" dirty="0">
+                <a:solidFill>
+                  <a:schemeClr val="bg1">
+                    <a:lumMod val="95000"/>
+                  </a:schemeClr>
+                </a:solidFill>
+              </a:rPr>
+              <a:t>Eclipse</a:t>
+            </a:r>
+          </a:p>
+        </p:txBody>
+      </p:sp>
+    </p:spTree>
+    <p:extLst>
+      <p:ext uri="{BB962C8B-B14F-4D97-AF65-F5344CB8AC3E}">
+        <p14:creationId xmlns:p14="http://schemas.microsoft.com/office/powerpoint/2010/main" val="2761577980"/>
+      </p:ext>
+    </p:extLst>
+  </p:cSld>
+  <p:clrMapOvr>
+    <a:masterClrMapping/>
+  </p:clrMapOvr>
+  <p:timing>
+    <p:tnLst>
+      <p:par>
+        <p:cTn id="1" dur="indefinite" restart="never" nodeType="tmRoot"/>
+      </p:par>
+    </p:tnLst>
+  </p:timing>
 </p:sld>
 </file>
 

--- a/01-Introduction-into-Development.pptx
+++ b/01-Introduction-into-Development.pptx
@@ -311,7 +311,7 @@
           <a:p>
             <a:fld id="{3EA744D9-3FBE-48D8-BF2A-85DF203E4D20}" type="datetimeFigureOut">
               <a:rPr lang="bg-BG" smtClean="0"/>
-              <a:t>6.7.2015 г.</a:t>
+              <a:t>29.11.2015 г.</a:t>
             </a:fld>
             <a:endParaRPr lang="bg-BG"/>
           </a:p>
@@ -481,7 +481,7 @@
           <a:p>
             <a:fld id="{3EA744D9-3FBE-48D8-BF2A-85DF203E4D20}" type="datetimeFigureOut">
               <a:rPr lang="bg-BG" smtClean="0"/>
-              <a:t>6.7.2015 г.</a:t>
+              <a:t>29.11.2015 г.</a:t>
             </a:fld>
             <a:endParaRPr lang="bg-BG"/>
           </a:p>
@@ -661,7 +661,7 @@
           <a:p>
             <a:fld id="{3EA744D9-3FBE-48D8-BF2A-85DF203E4D20}" type="datetimeFigureOut">
               <a:rPr lang="bg-BG" smtClean="0"/>
-              <a:t>6.7.2015 г.</a:t>
+              <a:t>29.11.2015 г.</a:t>
             </a:fld>
             <a:endParaRPr lang="bg-BG"/>
           </a:p>
@@ -831,7 +831,7 @@
           <a:p>
             <a:fld id="{3EA744D9-3FBE-48D8-BF2A-85DF203E4D20}" type="datetimeFigureOut">
               <a:rPr lang="bg-BG" smtClean="0"/>
-              <a:t>6.7.2015 г.</a:t>
+              <a:t>29.11.2015 г.</a:t>
             </a:fld>
             <a:endParaRPr lang="bg-BG"/>
           </a:p>
@@ -1077,7 +1077,7 @@
           <a:p>
             <a:fld id="{3EA744D9-3FBE-48D8-BF2A-85DF203E4D20}" type="datetimeFigureOut">
               <a:rPr lang="bg-BG" smtClean="0"/>
-              <a:t>6.7.2015 г.</a:t>
+              <a:t>29.11.2015 г.</a:t>
             </a:fld>
             <a:endParaRPr lang="bg-BG"/>
           </a:p>
@@ -1365,7 +1365,7 @@
           <a:p>
             <a:fld id="{3EA744D9-3FBE-48D8-BF2A-85DF203E4D20}" type="datetimeFigureOut">
               <a:rPr lang="bg-BG" smtClean="0"/>
-              <a:t>6.7.2015 г.</a:t>
+              <a:t>29.11.2015 г.</a:t>
             </a:fld>
             <a:endParaRPr lang="bg-BG"/>
           </a:p>
@@ -1787,7 +1787,7 @@
           <a:p>
             <a:fld id="{3EA744D9-3FBE-48D8-BF2A-85DF203E4D20}" type="datetimeFigureOut">
               <a:rPr lang="bg-BG" smtClean="0"/>
-              <a:t>6.7.2015 г.</a:t>
+              <a:t>29.11.2015 г.</a:t>
             </a:fld>
             <a:endParaRPr lang="bg-BG"/>
           </a:p>
@@ -1905,7 +1905,7 @@
           <a:p>
             <a:fld id="{3EA744D9-3FBE-48D8-BF2A-85DF203E4D20}" type="datetimeFigureOut">
               <a:rPr lang="bg-BG" smtClean="0"/>
-              <a:t>6.7.2015 г.</a:t>
+              <a:t>29.11.2015 г.</a:t>
             </a:fld>
             <a:endParaRPr lang="bg-BG"/>
           </a:p>
@@ -2000,7 +2000,7 @@
           <a:p>
             <a:fld id="{3EA744D9-3FBE-48D8-BF2A-85DF203E4D20}" type="datetimeFigureOut">
               <a:rPr lang="bg-BG" smtClean="0"/>
-              <a:t>6.7.2015 г.</a:t>
+              <a:t>29.11.2015 г.</a:t>
             </a:fld>
             <a:endParaRPr lang="bg-BG"/>
           </a:p>
@@ -2277,7 +2277,7 @@
           <a:p>
             <a:fld id="{3EA744D9-3FBE-48D8-BF2A-85DF203E4D20}" type="datetimeFigureOut">
               <a:rPr lang="bg-BG" smtClean="0"/>
-              <a:t>6.7.2015 г.</a:t>
+              <a:t>29.11.2015 г.</a:t>
             </a:fld>
             <a:endParaRPr lang="bg-BG"/>
           </a:p>
@@ -2530,7 +2530,7 @@
           <a:p>
             <a:fld id="{3EA744D9-3FBE-48D8-BF2A-85DF203E4D20}" type="datetimeFigureOut">
               <a:rPr lang="bg-BG" smtClean="0"/>
-              <a:t>6.7.2015 г.</a:t>
+              <a:t>29.11.2015 г.</a:t>
             </a:fld>
             <a:endParaRPr lang="bg-BG"/>
           </a:p>
@@ -2752,7 +2752,7 @@
           <a:p>
             <a:fld id="{3EA744D9-3FBE-48D8-BF2A-85DF203E4D20}" type="datetimeFigureOut">
               <a:rPr lang="bg-BG" smtClean="0"/>
-              <a:t>6.7.2015 г.</a:t>
+              <a:t>29.11.2015 г.</a:t>
             </a:fld>
             <a:endParaRPr lang="bg-BG"/>
           </a:p>
@@ -4266,64 +4266,91 @@
           <a:bodyPr/>
           <a:lstStyle/>
           <a:p>
-            <a:pPr>
-              <a:buFont typeface="Wingdings" panose="05000000000000000000" pitchFamily="2" charset="2"/>
-              <a:buChar char="§"/>
+            <a:pPr marL="0" indent="0">
+              <a:buNone/>
             </a:pPr>
             <a:r>
-              <a:rPr lang="bg-BG" dirty="0">
+              <a:rPr lang="en-US" dirty="0" smtClean="0">
                 <a:solidFill>
                   <a:schemeClr val="bg1">
                     <a:lumMod val="95000"/>
                   </a:schemeClr>
                 </a:solidFill>
               </a:rPr>
-              <a:t>Инсталирайте </a:t>
-            </a:r>
-            <a:r>
-              <a:rPr lang="en-US" dirty="0">
+              <a:t>1.1) </a:t>
+            </a:r>
+            <a:r>
+              <a:rPr lang="bg-BG" dirty="0" smtClean="0">
                 <a:solidFill>
                   <a:schemeClr val="bg1">
                     <a:lumMod val="95000"/>
                   </a:schemeClr>
                 </a:solidFill>
               </a:rPr>
-              <a:t>Notepad++</a:t>
-            </a:r>
-          </a:p>
-          <a:p>
-            <a:pPr>
-              <a:buFont typeface="Wingdings" panose="05000000000000000000" pitchFamily="2" charset="2"/>
-              <a:buChar char="§"/>
-            </a:pPr>
-            <a:r>
-              <a:rPr lang="bg-BG" dirty="0">
+              <a:t>Инсталирайте </a:t>
+            </a:r>
+            <a:r>
+              <a:rPr lang="en-US" dirty="0">
                 <a:solidFill>
                   <a:schemeClr val="bg1">
                     <a:lumMod val="95000"/>
                   </a:schemeClr>
                 </a:solidFill>
               </a:rPr>
-              <a:t>Инсталирайте </a:t>
-            </a:r>
-            <a:r>
-              <a:rPr lang="en-US" dirty="0">
+              <a:t>Notepad++</a:t>
+            </a:r>
+          </a:p>
+          <a:p>
+            <a:pPr marL="0" indent="0">
+              <a:buNone/>
+            </a:pPr>
+            <a:r>
+              <a:rPr lang="en-US" dirty="0" smtClean="0">
                 <a:solidFill>
                   <a:schemeClr val="bg1">
                     <a:lumMod val="95000"/>
                   </a:schemeClr>
                 </a:solidFill>
               </a:rPr>
+              <a:t>1.2) </a:t>
+            </a:r>
+            <a:r>
+              <a:rPr lang="bg-BG" dirty="0" smtClean="0">
+                <a:solidFill>
+                  <a:schemeClr val="bg1">
+                    <a:lumMod val="95000"/>
+                  </a:schemeClr>
+                </a:solidFill>
+              </a:rPr>
+              <a:t>Инсталирайте </a:t>
+            </a:r>
+            <a:r>
+              <a:rPr lang="en-US" dirty="0">
+                <a:solidFill>
+                  <a:schemeClr val="bg1">
+                    <a:lumMod val="95000"/>
+                  </a:schemeClr>
+                </a:solidFill>
+              </a:rPr>
               <a:t>JDK</a:t>
             </a:r>
           </a:p>
           <a:p>
-            <a:pPr>
-              <a:buFont typeface="Wingdings" panose="05000000000000000000" pitchFamily="2" charset="2"/>
-              <a:buChar char="§"/>
+            <a:pPr marL="0" indent="0">
+              <a:buNone/>
             </a:pPr>
             <a:r>
-              <a:rPr lang="bg-BG" dirty="0">
+              <a:rPr lang="en-US" smtClean="0">
+                <a:solidFill>
+                  <a:schemeClr val="bg1">
+                    <a:lumMod val="95000"/>
+                  </a:schemeClr>
+                </a:solidFill>
+              </a:rPr>
+              <a:t>1.3) </a:t>
+            </a:r>
+            <a:r>
+              <a:rPr lang="bg-BG" smtClean="0">
                 <a:solidFill>
                   <a:schemeClr val="bg1">
                     <a:lumMod val="95000"/>
